--- a/homepage/Document/2학기/13주차/13주차 수업자료.pptx
+++ b/homepage/Document/2학기/13주차/13주차 수업자료.pptx
@@ -9,12 +9,17 @@
     <p:sldId id="272" r:id="rId3"/>
     <p:sldId id="273" r:id="rId4"/>
     <p:sldId id="278" r:id="rId5"/>
-    <p:sldId id="279" r:id="rId6"/>
-    <p:sldId id="283" r:id="rId7"/>
-    <p:sldId id="280" r:id="rId8"/>
-    <p:sldId id="276" r:id="rId9"/>
+    <p:sldId id="260" r:id="rId6"/>
+    <p:sldId id="279" r:id="rId7"/>
+    <p:sldId id="283" r:id="rId8"/>
+    <p:sldId id="280" r:id="rId9"/>
     <p:sldId id="281" r:id="rId10"/>
-    <p:sldId id="282" r:id="rId11"/>
+    <p:sldId id="276" r:id="rId11"/>
+    <p:sldId id="287" r:id="rId12"/>
+    <p:sldId id="285" r:id="rId13"/>
+    <p:sldId id="282" r:id="rId14"/>
+    <p:sldId id="284" r:id="rId15"/>
+    <p:sldId id="286" r:id="rId16"/>
   </p:sldIdLst>
   <p:sldSz cx="12192000" cy="6858000"/>
   <p:notesSz cx="6858000" cy="9144000"/>
@@ -130,12 +135,17 @@
         </p14:section>
         <p14:section name="엑셀업로드" id="{09EA29B3-C293-488D-8896-86177CBDE34B}">
           <p14:sldIdLst>
+            <p14:sldId id="260"/>
             <p14:sldId id="279"/>
             <p14:sldId id="283"/>
             <p14:sldId id="280"/>
+            <p14:sldId id="281"/>
             <p14:sldId id="276"/>
-            <p14:sldId id="281"/>
+            <p14:sldId id="287"/>
+            <p14:sldId id="285"/>
             <p14:sldId id="282"/>
+            <p14:sldId id="284"/>
+            <p14:sldId id="286"/>
           </p14:sldIdLst>
         </p14:section>
       </p14:sectionLst>
@@ -294,7 +304,7 @@
           <a:p>
             <a:fld id="{075B44BF-B9BC-47EE-A280-23436178F2B8}" type="datetimeFigureOut">
               <a:rPr lang="ko-KR" altLang="en-US" smtClean="0"/>
-              <a:t>2025-11-11</a:t>
+              <a:t>2025-11-13</a:t>
             </a:fld>
             <a:endParaRPr lang="ko-KR" altLang="en-US"/>
           </a:p>
@@ -492,7 +502,7 @@
           <a:p>
             <a:fld id="{075B44BF-B9BC-47EE-A280-23436178F2B8}" type="datetimeFigureOut">
               <a:rPr lang="ko-KR" altLang="en-US" smtClean="0"/>
-              <a:t>2025-11-11</a:t>
+              <a:t>2025-11-13</a:t>
             </a:fld>
             <a:endParaRPr lang="ko-KR" altLang="en-US"/>
           </a:p>
@@ -700,7 +710,7 @@
           <a:p>
             <a:fld id="{075B44BF-B9BC-47EE-A280-23436178F2B8}" type="datetimeFigureOut">
               <a:rPr lang="ko-KR" altLang="en-US" smtClean="0"/>
-              <a:t>2025-11-11</a:t>
+              <a:t>2025-11-13</a:t>
             </a:fld>
             <a:endParaRPr lang="ko-KR" altLang="en-US"/>
           </a:p>
@@ -898,7 +908,7 @@
           <a:p>
             <a:fld id="{075B44BF-B9BC-47EE-A280-23436178F2B8}" type="datetimeFigureOut">
               <a:rPr lang="ko-KR" altLang="en-US" smtClean="0"/>
-              <a:t>2025-11-11</a:t>
+              <a:t>2025-11-13</a:t>
             </a:fld>
             <a:endParaRPr lang="ko-KR" altLang="en-US"/>
           </a:p>
@@ -1173,7 +1183,7 @@
           <a:p>
             <a:fld id="{075B44BF-B9BC-47EE-A280-23436178F2B8}" type="datetimeFigureOut">
               <a:rPr lang="ko-KR" altLang="en-US" smtClean="0"/>
-              <a:t>2025-11-11</a:t>
+              <a:t>2025-11-13</a:t>
             </a:fld>
             <a:endParaRPr lang="ko-KR" altLang="en-US"/>
           </a:p>
@@ -1438,7 +1448,7 @@
           <a:p>
             <a:fld id="{075B44BF-B9BC-47EE-A280-23436178F2B8}" type="datetimeFigureOut">
               <a:rPr lang="ko-KR" altLang="en-US" smtClean="0"/>
-              <a:t>2025-11-11</a:t>
+              <a:t>2025-11-13</a:t>
             </a:fld>
             <a:endParaRPr lang="ko-KR" altLang="en-US"/>
           </a:p>
@@ -1850,7 +1860,7 @@
           <a:p>
             <a:fld id="{075B44BF-B9BC-47EE-A280-23436178F2B8}" type="datetimeFigureOut">
               <a:rPr lang="ko-KR" altLang="en-US" smtClean="0"/>
-              <a:t>2025-11-11</a:t>
+              <a:t>2025-11-13</a:t>
             </a:fld>
             <a:endParaRPr lang="ko-KR" altLang="en-US"/>
           </a:p>
@@ -1991,7 +2001,7 @@
           <a:p>
             <a:fld id="{075B44BF-B9BC-47EE-A280-23436178F2B8}" type="datetimeFigureOut">
               <a:rPr lang="ko-KR" altLang="en-US" smtClean="0"/>
-              <a:t>2025-11-11</a:t>
+              <a:t>2025-11-13</a:t>
             </a:fld>
             <a:endParaRPr lang="ko-KR" altLang="en-US"/>
           </a:p>
@@ -2104,7 +2114,7 @@
           <a:p>
             <a:fld id="{075B44BF-B9BC-47EE-A280-23436178F2B8}" type="datetimeFigureOut">
               <a:rPr lang="ko-KR" altLang="en-US" smtClean="0"/>
-              <a:t>2025-11-11</a:t>
+              <a:t>2025-11-13</a:t>
             </a:fld>
             <a:endParaRPr lang="ko-KR" altLang="en-US"/>
           </a:p>
@@ -2415,7 +2425,7 @@
           <a:p>
             <a:fld id="{075B44BF-B9BC-47EE-A280-23436178F2B8}" type="datetimeFigureOut">
               <a:rPr lang="ko-KR" altLang="en-US" smtClean="0"/>
-              <a:t>2025-11-11</a:t>
+              <a:t>2025-11-13</a:t>
             </a:fld>
             <a:endParaRPr lang="ko-KR" altLang="en-US"/>
           </a:p>
@@ -2703,7 +2713,7 @@
           <a:p>
             <a:fld id="{075B44BF-B9BC-47EE-A280-23436178F2B8}" type="datetimeFigureOut">
               <a:rPr lang="ko-KR" altLang="en-US" smtClean="0"/>
-              <a:t>2025-11-11</a:t>
+              <a:t>2025-11-13</a:t>
             </a:fld>
             <a:endParaRPr lang="ko-KR" altLang="en-US"/>
           </a:p>
@@ -2944,7 +2954,7 @@
           <a:p>
             <a:fld id="{075B44BF-B9BC-47EE-A280-23436178F2B8}" type="datetimeFigureOut">
               <a:rPr lang="ko-KR" altLang="en-US" smtClean="0"/>
-              <a:t>2025-11-11</a:t>
+              <a:t>2025-11-13</a:t>
             </a:fld>
             <a:endParaRPr lang="ko-KR" altLang="en-US"/>
           </a:p>
@@ -3512,6 +3522,441 @@
       </p:grpSpPr>
       <p:pic>
         <p:nvPicPr>
+          <p:cNvPr id="3" name="그림 2">
+            <a:extLst>
+              <a:ext uri="{FF2B5EF4-FFF2-40B4-BE49-F238E27FC236}">
+                <a16:creationId xmlns:a16="http://schemas.microsoft.com/office/drawing/2014/main" id="{DB4DAF7E-3178-4415-AA75-183B771ED1F8}"/>
+              </a:ext>
+            </a:extLst>
+          </p:cNvPr>
+          <p:cNvPicPr>
+            <a:picLocks noChangeAspect="1"/>
+          </p:cNvPicPr>
+          <p:nvPr/>
+        </p:nvPicPr>
+        <p:blipFill>
+          <a:blip r:embed="rId2"/>
+          <a:stretch>
+            <a:fillRect/>
+          </a:stretch>
+        </p:blipFill>
+        <p:spPr>
+          <a:xfrm>
+            <a:off x="498620" y="872763"/>
+            <a:ext cx="10182225" cy="447675"/>
+          </a:xfrm>
+          <a:prstGeom prst="rect">
+            <a:avLst/>
+          </a:prstGeom>
+        </p:spPr>
+      </p:pic>
+      <p:sp>
+        <p:nvSpPr>
+          <p:cNvPr id="4" name="직사각형 3">
+            <a:extLst>
+              <a:ext uri="{FF2B5EF4-FFF2-40B4-BE49-F238E27FC236}">
+                <a16:creationId xmlns:a16="http://schemas.microsoft.com/office/drawing/2014/main" id="{34AB316E-AC09-41E7-9F3E-328A4A0CFE5E}"/>
+              </a:ext>
+            </a:extLst>
+          </p:cNvPr>
+          <p:cNvSpPr/>
+          <p:nvPr/>
+        </p:nvSpPr>
+        <p:spPr>
+          <a:xfrm>
+            <a:off x="498620" y="283021"/>
+            <a:ext cx="2222788" cy="369332"/>
+          </a:xfrm>
+          <a:prstGeom prst="rect">
+            <a:avLst/>
+          </a:prstGeom>
+        </p:spPr>
+        <p:txBody>
+          <a:bodyPr wrap="none">
+            <a:spAutoFit/>
+          </a:bodyPr>
+          <a:lstStyle/>
+          <a:p>
+            <a:r>
+              <a:rPr lang="en-US" altLang="ko-KR" dirty="0"/>
+              <a:t>* </a:t>
+            </a:r>
+            <a:r>
+              <a:rPr lang="ko-KR" altLang="en-US" dirty="0" err="1"/>
+              <a:t>globals.properties</a:t>
+            </a:r>
+            <a:endParaRPr lang="ko-KR" altLang="en-US" dirty="0"/>
+          </a:p>
+        </p:txBody>
+      </p:sp>
+      <p:pic>
+        <p:nvPicPr>
+          <p:cNvPr id="5" name="그림 4">
+            <a:extLst>
+              <a:ext uri="{FF2B5EF4-FFF2-40B4-BE49-F238E27FC236}">
+                <a16:creationId xmlns:a16="http://schemas.microsoft.com/office/drawing/2014/main" id="{D2ACEBE7-8B0D-47DF-8414-821D099A3F20}"/>
+              </a:ext>
+            </a:extLst>
+          </p:cNvPr>
+          <p:cNvPicPr>
+            <a:picLocks noChangeAspect="1"/>
+          </p:cNvPicPr>
+          <p:nvPr/>
+        </p:nvPicPr>
+        <p:blipFill>
+          <a:blip r:embed="rId3"/>
+          <a:stretch>
+            <a:fillRect/>
+          </a:stretch>
+        </p:blipFill>
+        <p:spPr>
+          <a:xfrm>
+            <a:off x="657488" y="6136829"/>
+            <a:ext cx="3276600" cy="438150"/>
+          </a:xfrm>
+          <a:prstGeom prst="rect">
+            <a:avLst/>
+          </a:prstGeom>
+        </p:spPr>
+      </p:pic>
+      <p:sp>
+        <p:nvSpPr>
+          <p:cNvPr id="6" name="직사각형 5">
+            <a:extLst>
+              <a:ext uri="{FF2B5EF4-FFF2-40B4-BE49-F238E27FC236}">
+                <a16:creationId xmlns:a16="http://schemas.microsoft.com/office/drawing/2014/main" id="{6D6871AA-5FF4-4C1A-A006-EDCA4B6E0DC4}"/>
+              </a:ext>
+            </a:extLst>
+          </p:cNvPr>
+          <p:cNvSpPr/>
+          <p:nvPr/>
+        </p:nvSpPr>
+        <p:spPr>
+          <a:xfrm>
+            <a:off x="498620" y="2214784"/>
+            <a:ext cx="2696123" cy="369332"/>
+          </a:xfrm>
+          <a:prstGeom prst="rect">
+            <a:avLst/>
+          </a:prstGeom>
+        </p:spPr>
+        <p:txBody>
+          <a:bodyPr wrap="none">
+            <a:spAutoFit/>
+          </a:bodyPr>
+          <a:lstStyle/>
+          <a:p>
+            <a:r>
+              <a:rPr lang="en-US" altLang="ko-KR" dirty="0"/>
+              <a:t>* </a:t>
+            </a:r>
+            <a:r>
+              <a:rPr lang="ko-KR" altLang="en-US" dirty="0"/>
+              <a:t>context-properties.xml</a:t>
+            </a:r>
+          </a:p>
+        </p:txBody>
+      </p:sp>
+      <p:pic>
+        <p:nvPicPr>
+          <p:cNvPr id="7" name="그림 6">
+            <a:extLst>
+              <a:ext uri="{FF2B5EF4-FFF2-40B4-BE49-F238E27FC236}">
+                <a16:creationId xmlns:a16="http://schemas.microsoft.com/office/drawing/2014/main" id="{A707A920-8FA4-2DF3-AA29-42D3E3768FE0}"/>
+              </a:ext>
+            </a:extLst>
+          </p:cNvPr>
+          <p:cNvPicPr>
+            <a:picLocks noChangeAspect="1"/>
+          </p:cNvPicPr>
+          <p:nvPr/>
+        </p:nvPicPr>
+        <p:blipFill>
+          <a:blip r:embed="rId4"/>
+          <a:stretch>
+            <a:fillRect/>
+          </a:stretch>
+        </p:blipFill>
+        <p:spPr>
+          <a:xfrm>
+            <a:off x="657488" y="2714256"/>
+            <a:ext cx="6747519" cy="3216229"/>
+          </a:xfrm>
+          <a:prstGeom prst="rect">
+            <a:avLst/>
+          </a:prstGeom>
+        </p:spPr>
+      </p:pic>
+    </p:spTree>
+    <p:extLst>
+      <p:ext uri="{BB962C8B-B14F-4D97-AF65-F5344CB8AC3E}">
+        <p14:creationId xmlns:p14="http://schemas.microsoft.com/office/powerpoint/2010/main" val="2365455335"/>
+      </p:ext>
+    </p:extLst>
+  </p:cSld>
+  <p:clrMapOvr>
+    <a:masterClrMapping/>
+  </p:clrMapOvr>
+</p:sld>
+</file>
+
+<file path=ppt/slides/slide11.xml><?xml version="1.0" encoding="utf-8"?>
+<p:sld xmlns:a="http://schemas.openxmlformats.org/drawingml/2006/main" xmlns:r="http://schemas.openxmlformats.org/officeDocument/2006/relationships" xmlns:p="http://schemas.openxmlformats.org/presentationml/2006/main">
+  <p:cSld>
+    <p:spTree>
+      <p:nvGrpSpPr>
+        <p:cNvPr id="1" name="">
+          <a:extLst>
+            <a:ext uri="{FF2B5EF4-FFF2-40B4-BE49-F238E27FC236}">
+              <a16:creationId xmlns:a16="http://schemas.microsoft.com/office/drawing/2014/main" id="{8A4BC307-992B-C9C8-9AB9-5E7A709E7F71}"/>
+            </a:ext>
+          </a:extLst>
+        </p:cNvPr>
+        <p:cNvGrpSpPr/>
+        <p:nvPr/>
+      </p:nvGrpSpPr>
+      <p:grpSpPr>
+        <a:xfrm>
+          <a:off x="0" y="0"/>
+          <a:ext cx="0" cy="0"/>
+          <a:chOff x="0" y="0"/>
+          <a:chExt cx="0" cy="0"/>
+        </a:xfrm>
+      </p:grpSpPr>
+      <p:pic>
+        <p:nvPicPr>
+          <p:cNvPr id="8" name="그림 7">
+            <a:extLst>
+              <a:ext uri="{FF2B5EF4-FFF2-40B4-BE49-F238E27FC236}">
+                <a16:creationId xmlns:a16="http://schemas.microsoft.com/office/drawing/2014/main" id="{0A68AD2B-0E54-0C31-7875-C98527FBE60E}"/>
+              </a:ext>
+            </a:extLst>
+          </p:cNvPr>
+          <p:cNvPicPr>
+            <a:picLocks noChangeAspect="1"/>
+          </p:cNvPicPr>
+          <p:nvPr/>
+        </p:nvPicPr>
+        <p:blipFill>
+          <a:blip r:embed="rId2"/>
+          <a:stretch>
+            <a:fillRect/>
+          </a:stretch>
+        </p:blipFill>
+        <p:spPr>
+          <a:xfrm>
+            <a:off x="410256" y="1198840"/>
+            <a:ext cx="9547187" cy="2973109"/>
+          </a:xfrm>
+          <a:prstGeom prst="rect">
+            <a:avLst/>
+          </a:prstGeom>
+        </p:spPr>
+      </p:pic>
+      <p:sp>
+        <p:nvSpPr>
+          <p:cNvPr id="10" name="TextBox 9">
+            <a:extLst>
+              <a:ext uri="{FF2B5EF4-FFF2-40B4-BE49-F238E27FC236}">
+                <a16:creationId xmlns:a16="http://schemas.microsoft.com/office/drawing/2014/main" id="{5B5E6484-9C43-850A-1DE9-EE64B357CC04}"/>
+              </a:ext>
+            </a:extLst>
+          </p:cNvPr>
+          <p:cNvSpPr txBox="1"/>
+          <p:nvPr/>
+        </p:nvSpPr>
+        <p:spPr>
+          <a:xfrm>
+            <a:off x="410256" y="256206"/>
+            <a:ext cx="10725830" cy="646331"/>
+          </a:xfrm>
+          <a:prstGeom prst="rect">
+            <a:avLst/>
+          </a:prstGeom>
+          <a:noFill/>
+        </p:spPr>
+        <p:txBody>
+          <a:bodyPr wrap="square">
+            <a:spAutoFit/>
+          </a:bodyPr>
+          <a:lstStyle/>
+          <a:p>
+            <a:r>
+              <a:rPr lang="ko-KR" altLang="en-US" dirty="0"/>
+              <a:t>context-common.xml</a:t>
+            </a:r>
+            <a:endParaRPr lang="en-US" altLang="ko-KR" dirty="0"/>
+          </a:p>
+          <a:p>
+            <a:r>
+              <a:rPr lang="ko-KR" altLang="en-US" dirty="0" err="1"/>
+              <a:t>엑셀업로드시에는</a:t>
+            </a:r>
+            <a:r>
+              <a:rPr lang="ko-KR" altLang="en-US" dirty="0"/>
+              <a:t> 밑에 부분이 주석처리 되어져 있다면 해당 부분 해제필요</a:t>
+            </a:r>
+          </a:p>
+        </p:txBody>
+      </p:sp>
+    </p:spTree>
+    <p:extLst>
+      <p:ext uri="{BB962C8B-B14F-4D97-AF65-F5344CB8AC3E}">
+        <p14:creationId xmlns:p14="http://schemas.microsoft.com/office/powerpoint/2010/main" val="2223445967"/>
+      </p:ext>
+    </p:extLst>
+  </p:cSld>
+  <p:clrMapOvr>
+    <a:masterClrMapping/>
+  </p:clrMapOvr>
+</p:sld>
+</file>
+
+<file path=ppt/slides/slide12.xml><?xml version="1.0" encoding="utf-8"?>
+<p:sld xmlns:a="http://schemas.openxmlformats.org/drawingml/2006/main" xmlns:r="http://schemas.openxmlformats.org/officeDocument/2006/relationships" xmlns:p="http://schemas.openxmlformats.org/presentationml/2006/main">
+  <p:cSld>
+    <p:spTree>
+      <p:nvGrpSpPr>
+        <p:cNvPr id="1" name=""/>
+        <p:cNvGrpSpPr/>
+        <p:nvPr/>
+      </p:nvGrpSpPr>
+      <p:grpSpPr>
+        <a:xfrm>
+          <a:off x="0" y="0"/>
+          <a:ext cx="0" cy="0"/>
+          <a:chOff x="0" y="0"/>
+          <a:chExt cx="0" cy="0"/>
+        </a:xfrm>
+      </p:grpSpPr>
+      <p:pic>
+        <p:nvPicPr>
+          <p:cNvPr id="3" name="그림 2">
+            <a:extLst>
+              <a:ext uri="{FF2B5EF4-FFF2-40B4-BE49-F238E27FC236}">
+                <a16:creationId xmlns:a16="http://schemas.microsoft.com/office/drawing/2014/main" id="{EEF06D0F-8B7E-6936-F562-94A9B216A16B}"/>
+              </a:ext>
+            </a:extLst>
+          </p:cNvPr>
+          <p:cNvPicPr>
+            <a:picLocks noChangeAspect="1"/>
+          </p:cNvPicPr>
+          <p:nvPr/>
+        </p:nvPicPr>
+        <p:blipFill>
+          <a:blip r:embed="rId2"/>
+          <a:stretch>
+            <a:fillRect/>
+          </a:stretch>
+        </p:blipFill>
+        <p:spPr>
+          <a:xfrm>
+            <a:off x="553604" y="1711570"/>
+            <a:ext cx="6974844" cy="2569289"/>
+          </a:xfrm>
+          <a:prstGeom prst="rect">
+            <a:avLst/>
+          </a:prstGeom>
+        </p:spPr>
+      </p:pic>
+      <p:sp>
+        <p:nvSpPr>
+          <p:cNvPr id="5" name="TextBox 4">
+            <a:extLst>
+              <a:ext uri="{FF2B5EF4-FFF2-40B4-BE49-F238E27FC236}">
+                <a16:creationId xmlns:a16="http://schemas.microsoft.com/office/drawing/2014/main" id="{224728B2-B4DF-3304-19D6-20F4BA9BAA23}"/>
+              </a:ext>
+            </a:extLst>
+          </p:cNvPr>
+          <p:cNvSpPr txBox="1"/>
+          <p:nvPr/>
+        </p:nvSpPr>
+        <p:spPr>
+          <a:xfrm>
+            <a:off x="500850" y="278395"/>
+            <a:ext cx="11187058" cy="923330"/>
+          </a:xfrm>
+          <a:prstGeom prst="rect">
+            <a:avLst/>
+          </a:prstGeom>
+          <a:noFill/>
+        </p:spPr>
+        <p:txBody>
+          <a:bodyPr wrap="square">
+            <a:spAutoFit/>
+          </a:bodyPr>
+          <a:lstStyle/>
+          <a:p>
+            <a:r>
+              <a:rPr lang="ko-KR" altLang="en-US" dirty="0" err="1"/>
+              <a:t>egov-com-servlet.xml에서</a:t>
+            </a:r>
+            <a:r>
+              <a:rPr lang="ko-KR" altLang="en-US" dirty="0"/>
+              <a:t> </a:t>
+            </a:r>
+            <a:endParaRPr lang="en-US" altLang="ko-KR" dirty="0"/>
+          </a:p>
+          <a:p>
+            <a:r>
+              <a:rPr lang="en-US" altLang="ko-KR" i="1" dirty="0"/>
+              <a:t>org.springframework.web.servlet.mvc.method.annotation.RequestMappingHandlerAdapter </a:t>
+            </a:r>
+            <a:r>
+              <a:rPr lang="ko-KR" altLang="en-US" i="1" dirty="0"/>
+              <a:t>쪽에</a:t>
+            </a:r>
+            <a:endParaRPr lang="en-US" altLang="ko-KR" dirty="0"/>
+          </a:p>
+          <a:p>
+            <a:r>
+              <a:rPr lang="en-US" altLang="ko-KR" i="1" dirty="0" err="1"/>
+              <a:t>messageConverters</a:t>
+            </a:r>
+            <a:r>
+              <a:rPr lang="en-US" altLang="ko-KR" i="1" dirty="0"/>
+              <a:t> </a:t>
+            </a:r>
+            <a:r>
+              <a:rPr lang="ko-KR" altLang="en-US" i="1" dirty="0"/>
+              <a:t>내용 추가</a:t>
+            </a:r>
+            <a:endParaRPr lang="en-US" altLang="ko-KR" dirty="0"/>
+          </a:p>
+        </p:txBody>
+      </p:sp>
+    </p:spTree>
+    <p:extLst>
+      <p:ext uri="{BB962C8B-B14F-4D97-AF65-F5344CB8AC3E}">
+        <p14:creationId xmlns:p14="http://schemas.microsoft.com/office/powerpoint/2010/main" val="2462222446"/>
+      </p:ext>
+    </p:extLst>
+  </p:cSld>
+  <p:clrMapOvr>
+    <a:masterClrMapping/>
+  </p:clrMapOvr>
+</p:sld>
+</file>
+
+<file path=ppt/slides/slide13.xml><?xml version="1.0" encoding="utf-8"?>
+<p:sld xmlns:a="http://schemas.openxmlformats.org/drawingml/2006/main" xmlns:r="http://schemas.openxmlformats.org/officeDocument/2006/relationships" xmlns:p="http://schemas.openxmlformats.org/presentationml/2006/main">
+  <p:cSld>
+    <p:spTree>
+      <p:nvGrpSpPr>
+        <p:cNvPr id="1" name=""/>
+        <p:cNvGrpSpPr/>
+        <p:nvPr/>
+      </p:nvGrpSpPr>
+      <p:grpSpPr>
+        <a:xfrm>
+          <a:off x="0" y="0"/>
+          <a:ext cx="0" cy="0"/>
+          <a:chOff x="0" y="0"/>
+          <a:chExt cx="0" cy="0"/>
+        </a:xfrm>
+      </p:grpSpPr>
+      <p:pic>
+        <p:nvPicPr>
           <p:cNvPr id="4" name="그림 3">
             <a:extLst>
               <a:ext uri="{FF2B5EF4-FFF2-40B4-BE49-F238E27FC236}">
@@ -3613,7 +4058,7 @@
         </p:blipFill>
         <p:spPr>
           <a:xfrm>
-            <a:off x="4137738" y="571500"/>
+            <a:off x="4435067" y="501350"/>
             <a:ext cx="7305675" cy="5715000"/>
           </a:xfrm>
           <a:prstGeom prst="rect">
@@ -3671,6 +4116,338 @@
     <p:extLst>
       <p:ext uri="{BB962C8B-B14F-4D97-AF65-F5344CB8AC3E}">
         <p14:creationId xmlns:p14="http://schemas.microsoft.com/office/powerpoint/2010/main" val="4024307716"/>
+      </p:ext>
+    </p:extLst>
+  </p:cSld>
+  <p:clrMapOvr>
+    <a:masterClrMapping/>
+  </p:clrMapOvr>
+</p:sld>
+</file>
+
+<file path=ppt/slides/slide14.xml><?xml version="1.0" encoding="utf-8"?>
+<p:sld xmlns:a="http://schemas.openxmlformats.org/drawingml/2006/main" xmlns:r="http://schemas.openxmlformats.org/officeDocument/2006/relationships" xmlns:p="http://schemas.openxmlformats.org/presentationml/2006/main">
+  <p:cSld>
+    <p:spTree>
+      <p:nvGrpSpPr>
+        <p:cNvPr id="1" name=""/>
+        <p:cNvGrpSpPr/>
+        <p:nvPr/>
+      </p:nvGrpSpPr>
+      <p:grpSpPr>
+        <a:xfrm>
+          <a:off x="0" y="0"/>
+          <a:ext cx="0" cy="0"/>
+          <a:chOff x="0" y="0"/>
+          <a:chExt cx="0" cy="0"/>
+        </a:xfrm>
+      </p:grpSpPr>
+      <p:pic>
+        <p:nvPicPr>
+          <p:cNvPr id="5" name="그림 4">
+            <a:extLst>
+              <a:ext uri="{FF2B5EF4-FFF2-40B4-BE49-F238E27FC236}">
+                <a16:creationId xmlns:a16="http://schemas.microsoft.com/office/drawing/2014/main" id="{FBCAE556-675D-F7E6-473D-C817B9A1D485}"/>
+              </a:ext>
+            </a:extLst>
+          </p:cNvPr>
+          <p:cNvPicPr>
+            <a:picLocks noChangeAspect="1"/>
+          </p:cNvPicPr>
+          <p:nvPr/>
+        </p:nvPicPr>
+        <p:blipFill>
+          <a:blip r:embed="rId2"/>
+          <a:stretch>
+            <a:fillRect/>
+          </a:stretch>
+        </p:blipFill>
+        <p:spPr>
+          <a:xfrm>
+            <a:off x="237524" y="558438"/>
+            <a:ext cx="5858476" cy="347798"/>
+          </a:xfrm>
+          <a:prstGeom prst="rect">
+            <a:avLst/>
+          </a:prstGeom>
+        </p:spPr>
+      </p:pic>
+      <p:pic>
+        <p:nvPicPr>
+          <p:cNvPr id="6" name="그림 5">
+            <a:extLst>
+              <a:ext uri="{FF2B5EF4-FFF2-40B4-BE49-F238E27FC236}">
+                <a16:creationId xmlns:a16="http://schemas.microsoft.com/office/drawing/2014/main" id="{47D68222-CF84-97AE-8D7D-2A612E7C49B8}"/>
+              </a:ext>
+            </a:extLst>
+          </p:cNvPr>
+          <p:cNvPicPr>
+            <a:picLocks noChangeAspect="1"/>
+          </p:cNvPicPr>
+          <p:nvPr/>
+        </p:nvPicPr>
+        <p:blipFill>
+          <a:blip r:embed="rId3"/>
+          <a:stretch>
+            <a:fillRect/>
+          </a:stretch>
+        </p:blipFill>
+        <p:spPr>
+          <a:xfrm>
+            <a:off x="329977" y="1665514"/>
+            <a:ext cx="4459443" cy="754503"/>
+          </a:xfrm>
+          <a:prstGeom prst="rect">
+            <a:avLst/>
+          </a:prstGeom>
+        </p:spPr>
+      </p:pic>
+      <p:sp>
+        <p:nvSpPr>
+          <p:cNvPr id="8" name="직사각형 7">
+            <a:extLst>
+              <a:ext uri="{FF2B5EF4-FFF2-40B4-BE49-F238E27FC236}">
+                <a16:creationId xmlns:a16="http://schemas.microsoft.com/office/drawing/2014/main" id="{8C1DB2A8-C652-488A-AA88-166DA395614D}"/>
+              </a:ext>
+            </a:extLst>
+          </p:cNvPr>
+          <p:cNvSpPr/>
+          <p:nvPr/>
+        </p:nvSpPr>
+        <p:spPr>
+          <a:xfrm>
+            <a:off x="174929" y="1204713"/>
+            <a:ext cx="4681923" cy="369332"/>
+          </a:xfrm>
+          <a:prstGeom prst="rect">
+            <a:avLst/>
+          </a:prstGeom>
+        </p:spPr>
+        <p:txBody>
+          <a:bodyPr wrap="none">
+            <a:spAutoFit/>
+          </a:bodyPr>
+          <a:lstStyle/>
+          <a:p>
+            <a:r>
+              <a:rPr lang="en-US" altLang="ko-KR" dirty="0"/>
+              <a:t>* </a:t>
+            </a:r>
+            <a:r>
+              <a:rPr lang="ko-KR" altLang="en-US" dirty="0" err="1"/>
+              <a:t>ReservationApplyServiceImpl</a:t>
+            </a:r>
+            <a:r>
+              <a:rPr lang="en-US" altLang="ko-KR" dirty="0"/>
+              <a:t>.java </a:t>
+            </a:r>
+            <a:r>
+              <a:rPr lang="ko-KR" altLang="en-US" dirty="0"/>
+              <a:t>에 추가</a:t>
+            </a:r>
+          </a:p>
+        </p:txBody>
+      </p:sp>
+      <p:sp>
+        <p:nvSpPr>
+          <p:cNvPr id="7" name="직사각형 6">
+            <a:extLst>
+              <a:ext uri="{FF2B5EF4-FFF2-40B4-BE49-F238E27FC236}">
+                <a16:creationId xmlns:a16="http://schemas.microsoft.com/office/drawing/2014/main" id="{0015650A-87A3-4D04-8301-06A5F64E1970}"/>
+              </a:ext>
+            </a:extLst>
+          </p:cNvPr>
+          <p:cNvSpPr/>
+          <p:nvPr/>
+        </p:nvSpPr>
+        <p:spPr>
+          <a:xfrm>
+            <a:off x="174929" y="75295"/>
+            <a:ext cx="4221861" cy="369332"/>
+          </a:xfrm>
+          <a:prstGeom prst="rect">
+            <a:avLst/>
+          </a:prstGeom>
+        </p:spPr>
+        <p:txBody>
+          <a:bodyPr wrap="none">
+            <a:spAutoFit/>
+          </a:bodyPr>
+          <a:lstStyle/>
+          <a:p>
+            <a:r>
+              <a:rPr lang="en-US" altLang="ko-KR" dirty="0"/>
+              <a:t>* </a:t>
+            </a:r>
+            <a:r>
+              <a:rPr lang="ko-KR" altLang="en-US" dirty="0" err="1"/>
+              <a:t>ReservationApplyService</a:t>
+            </a:r>
+            <a:r>
+              <a:rPr lang="en-US" altLang="ko-KR" dirty="0"/>
+              <a:t>.java </a:t>
+            </a:r>
+            <a:r>
+              <a:rPr lang="ko-KR" altLang="en-US" dirty="0"/>
+              <a:t>에 추가</a:t>
+            </a:r>
+          </a:p>
+        </p:txBody>
+      </p:sp>
+      <p:pic>
+        <p:nvPicPr>
+          <p:cNvPr id="10" name="그림 9">
+            <a:extLst>
+              <a:ext uri="{FF2B5EF4-FFF2-40B4-BE49-F238E27FC236}">
+                <a16:creationId xmlns:a16="http://schemas.microsoft.com/office/drawing/2014/main" id="{DF68CAC7-396A-CADA-F5ED-CDCF29C5C993}"/>
+              </a:ext>
+            </a:extLst>
+          </p:cNvPr>
+          <p:cNvPicPr>
+            <a:picLocks noChangeAspect="1"/>
+          </p:cNvPicPr>
+          <p:nvPr/>
+        </p:nvPicPr>
+        <p:blipFill>
+          <a:blip r:embed="rId4"/>
+          <a:stretch>
+            <a:fillRect/>
+          </a:stretch>
+        </p:blipFill>
+        <p:spPr>
+          <a:xfrm>
+            <a:off x="329977" y="2511486"/>
+            <a:ext cx="7459435" cy="2689165"/>
+          </a:xfrm>
+          <a:prstGeom prst="rect">
+            <a:avLst/>
+          </a:prstGeom>
+        </p:spPr>
+      </p:pic>
+    </p:spTree>
+    <p:extLst>
+      <p:ext uri="{BB962C8B-B14F-4D97-AF65-F5344CB8AC3E}">
+        <p14:creationId xmlns:p14="http://schemas.microsoft.com/office/powerpoint/2010/main" val="1433515877"/>
+      </p:ext>
+    </p:extLst>
+  </p:cSld>
+  <p:clrMapOvr>
+    <a:masterClrMapping/>
+  </p:clrMapOvr>
+</p:sld>
+</file>
+
+<file path=ppt/slides/slide15.xml><?xml version="1.0" encoding="utf-8"?>
+<p:sld xmlns:a="http://schemas.openxmlformats.org/drawingml/2006/main" xmlns:r="http://schemas.openxmlformats.org/officeDocument/2006/relationships" xmlns:p="http://schemas.openxmlformats.org/presentationml/2006/main">
+  <p:cSld>
+    <p:spTree>
+      <p:nvGrpSpPr>
+        <p:cNvPr id="1" name="">
+          <a:extLst>
+            <a:ext uri="{FF2B5EF4-FFF2-40B4-BE49-F238E27FC236}">
+              <a16:creationId xmlns:a16="http://schemas.microsoft.com/office/drawing/2014/main" id="{2B3B6F68-17BA-D5C0-7E73-4FA6B3D1274D}"/>
+            </a:ext>
+          </a:extLst>
+        </p:cNvPr>
+        <p:cNvGrpSpPr/>
+        <p:nvPr/>
+      </p:nvGrpSpPr>
+      <p:grpSpPr>
+        <a:xfrm>
+          <a:off x="0" y="0"/>
+          <a:ext cx="0" cy="0"/>
+          <a:chOff x="0" y="0"/>
+          <a:chExt cx="0" cy="0"/>
+        </a:xfrm>
+      </p:grpSpPr>
+      <p:sp>
+        <p:nvSpPr>
+          <p:cNvPr id="7" name="직사각형 6">
+            <a:extLst>
+              <a:ext uri="{FF2B5EF4-FFF2-40B4-BE49-F238E27FC236}">
+                <a16:creationId xmlns:a16="http://schemas.microsoft.com/office/drawing/2014/main" id="{783BB015-AA97-A804-F8DC-ACC1A6119345}"/>
+              </a:ext>
+            </a:extLst>
+          </p:cNvPr>
+          <p:cNvSpPr/>
+          <p:nvPr/>
+        </p:nvSpPr>
+        <p:spPr>
+          <a:xfrm>
+            <a:off x="174929" y="75295"/>
+            <a:ext cx="6181116" cy="369332"/>
+          </a:xfrm>
+          <a:prstGeom prst="rect">
+            <a:avLst/>
+          </a:prstGeom>
+        </p:spPr>
+        <p:txBody>
+          <a:bodyPr wrap="none">
+            <a:spAutoFit/>
+          </a:bodyPr>
+          <a:lstStyle/>
+          <a:p>
+            <a:r>
+              <a:rPr lang="en-US" altLang="ko-KR" dirty="0"/>
+              <a:t>* </a:t>
+            </a:r>
+            <a:r>
+              <a:rPr lang="ko-KR" altLang="en-US" dirty="0" err="1"/>
+              <a:t>ReservationApply</a:t>
+            </a:r>
+            <a:r>
+              <a:rPr lang="en-US" altLang="ko-KR" dirty="0"/>
+              <a:t>DAO.java </a:t>
+            </a:r>
+            <a:r>
+              <a:rPr lang="ko-KR" altLang="en-US" dirty="0"/>
+              <a:t>에 추가 및 </a:t>
+            </a:r>
+            <a:r>
+              <a:rPr lang="en-US" altLang="ko-KR" dirty="0"/>
+              <a:t>Mapper(SQL)</a:t>
+            </a:r>
+            <a:r>
+              <a:rPr lang="ko-KR" altLang="en-US" dirty="0"/>
+              <a:t>작업</a:t>
+            </a:r>
+          </a:p>
+        </p:txBody>
+      </p:sp>
+      <p:pic>
+        <p:nvPicPr>
+          <p:cNvPr id="3" name="그림 2">
+            <a:extLst>
+              <a:ext uri="{FF2B5EF4-FFF2-40B4-BE49-F238E27FC236}">
+                <a16:creationId xmlns:a16="http://schemas.microsoft.com/office/drawing/2014/main" id="{A9A11981-527A-074A-9206-D41038555700}"/>
+              </a:ext>
+            </a:extLst>
+          </p:cNvPr>
+          <p:cNvPicPr>
+            <a:picLocks noChangeAspect="1"/>
+          </p:cNvPicPr>
+          <p:nvPr/>
+        </p:nvPicPr>
+        <p:blipFill>
+          <a:blip r:embed="rId2"/>
+          <a:stretch>
+            <a:fillRect/>
+          </a:stretch>
+        </p:blipFill>
+        <p:spPr>
+          <a:xfrm>
+            <a:off x="352911" y="444627"/>
+            <a:ext cx="5345759" cy="2883373"/>
+          </a:xfrm>
+          <a:prstGeom prst="rect">
+            <a:avLst/>
+          </a:prstGeom>
+        </p:spPr>
+      </p:pic>
+    </p:spTree>
+    <p:extLst>
+      <p:ext uri="{BB962C8B-B14F-4D97-AF65-F5344CB8AC3E}">
+        <p14:creationId xmlns:p14="http://schemas.microsoft.com/office/powerpoint/2010/main" val="4229068870"/>
       </p:ext>
     </p:extLst>
   </p:cSld>
@@ -4335,6 +5112,1027 @@
           <a:chExt cx="0" cy="0"/>
         </a:xfrm>
       </p:grpSpPr>
+      <p:cxnSp>
+        <p:nvCxnSpPr>
+          <p:cNvPr id="7" name="직선 화살표 연결선 6">
+            <a:extLst>
+              <a:ext uri="{FF2B5EF4-FFF2-40B4-BE49-F238E27FC236}">
+                <a16:creationId xmlns:a16="http://schemas.microsoft.com/office/drawing/2014/main" id="{DD7B584D-3866-4A67-AD76-209306499FFB}"/>
+              </a:ext>
+            </a:extLst>
+          </p:cNvPr>
+          <p:cNvCxnSpPr>
+            <a:cxnSpLocks/>
+            <a:stCxn id="15" idx="6"/>
+            <a:endCxn id="16" idx="1"/>
+          </p:cNvCxnSpPr>
+          <p:nvPr/>
+        </p:nvCxnSpPr>
+        <p:spPr>
+          <a:xfrm flipV="1">
+            <a:off x="2487930" y="1116330"/>
+            <a:ext cx="1832610" cy="1904"/>
+          </a:xfrm>
+          <a:prstGeom prst="straightConnector1">
+            <a:avLst/>
+          </a:prstGeom>
+          <a:ln>
+            <a:solidFill>
+              <a:srgbClr val="FF0000"/>
+            </a:solidFill>
+            <a:tailEnd type="triangle"/>
+          </a:ln>
+        </p:spPr>
+        <p:style>
+          <a:lnRef idx="1">
+            <a:schemeClr val="accent1"/>
+          </a:lnRef>
+          <a:fillRef idx="0">
+            <a:schemeClr val="accent1"/>
+          </a:fillRef>
+          <a:effectRef idx="0">
+            <a:schemeClr val="accent1"/>
+          </a:effectRef>
+          <a:fontRef idx="minor">
+            <a:schemeClr val="tx1"/>
+          </a:fontRef>
+        </p:style>
+      </p:cxnSp>
+      <p:sp>
+        <p:nvSpPr>
+          <p:cNvPr id="15" name="타원 14">
+            <a:extLst>
+              <a:ext uri="{FF2B5EF4-FFF2-40B4-BE49-F238E27FC236}">
+                <a16:creationId xmlns:a16="http://schemas.microsoft.com/office/drawing/2014/main" id="{4762F075-CA97-4BE5-A149-F0A7228DA68A}"/>
+              </a:ext>
+            </a:extLst>
+          </p:cNvPr>
+          <p:cNvSpPr/>
+          <p:nvPr/>
+        </p:nvSpPr>
+        <p:spPr>
+          <a:xfrm>
+            <a:off x="1236345" y="768190"/>
+            <a:ext cx="1251585" cy="700088"/>
+          </a:xfrm>
+          <a:prstGeom prst="ellipse">
+            <a:avLst/>
+          </a:prstGeom>
+          <a:noFill/>
+          <a:ln>
+            <a:solidFill>
+              <a:schemeClr val="tx1"/>
+            </a:solidFill>
+          </a:ln>
+        </p:spPr>
+        <p:style>
+          <a:lnRef idx="2">
+            <a:schemeClr val="accent1">
+              <a:shade val="50000"/>
+            </a:schemeClr>
+          </a:lnRef>
+          <a:fillRef idx="1">
+            <a:schemeClr val="accent1"/>
+          </a:fillRef>
+          <a:effectRef idx="0">
+            <a:schemeClr val="accent1"/>
+          </a:effectRef>
+          <a:fontRef idx="minor">
+            <a:schemeClr val="lt1"/>
+          </a:fontRef>
+        </p:style>
+        <p:txBody>
+          <a:bodyPr rtlCol="0" anchor="ctr"/>
+          <a:lstStyle/>
+          <a:p>
+            <a:pPr algn="ctr"/>
+            <a:r>
+              <a:rPr lang="ko-KR" altLang="en-US" dirty="0">
+                <a:solidFill>
+                  <a:schemeClr val="tx1"/>
+                </a:solidFill>
+              </a:rPr>
+              <a:t>사용자</a:t>
+            </a:r>
+          </a:p>
+        </p:txBody>
+      </p:sp>
+      <p:sp>
+        <p:nvSpPr>
+          <p:cNvPr id="16" name="직사각형 15">
+            <a:extLst>
+              <a:ext uri="{FF2B5EF4-FFF2-40B4-BE49-F238E27FC236}">
+                <a16:creationId xmlns:a16="http://schemas.microsoft.com/office/drawing/2014/main" id="{EFC2B610-395D-466D-A4BE-D09AF22DE2E2}"/>
+              </a:ext>
+            </a:extLst>
+          </p:cNvPr>
+          <p:cNvSpPr/>
+          <p:nvPr/>
+        </p:nvSpPr>
+        <p:spPr>
+          <a:xfrm>
+            <a:off x="4320540" y="830580"/>
+            <a:ext cx="1664970" cy="571500"/>
+          </a:xfrm>
+          <a:prstGeom prst="rect">
+            <a:avLst/>
+          </a:prstGeom>
+          <a:noFill/>
+          <a:ln>
+            <a:solidFill>
+              <a:schemeClr val="tx1"/>
+            </a:solidFill>
+          </a:ln>
+        </p:spPr>
+        <p:style>
+          <a:lnRef idx="2">
+            <a:schemeClr val="accent1">
+              <a:shade val="50000"/>
+            </a:schemeClr>
+          </a:lnRef>
+          <a:fillRef idx="1">
+            <a:schemeClr val="accent1"/>
+          </a:fillRef>
+          <a:effectRef idx="0">
+            <a:schemeClr val="accent1"/>
+          </a:effectRef>
+          <a:fontRef idx="minor">
+            <a:schemeClr val="lt1"/>
+          </a:fontRef>
+        </p:style>
+        <p:txBody>
+          <a:bodyPr rtlCol="0" anchor="ctr"/>
+          <a:lstStyle/>
+          <a:p>
+            <a:pPr algn="ctr"/>
+            <a:r>
+              <a:rPr lang="ko-KR" altLang="en-US" dirty="0" err="1">
+                <a:solidFill>
+                  <a:schemeClr val="tx1"/>
+                </a:solidFill>
+              </a:rPr>
+              <a:t>엑셀업로드</a:t>
+            </a:r>
+            <a:endParaRPr lang="ko-KR" altLang="en-US" dirty="0">
+              <a:solidFill>
+                <a:schemeClr val="tx1"/>
+              </a:solidFill>
+            </a:endParaRPr>
+          </a:p>
+        </p:txBody>
+      </p:sp>
+      <p:sp>
+        <p:nvSpPr>
+          <p:cNvPr id="22" name="직사각형 21">
+            <a:extLst>
+              <a:ext uri="{FF2B5EF4-FFF2-40B4-BE49-F238E27FC236}">
+                <a16:creationId xmlns:a16="http://schemas.microsoft.com/office/drawing/2014/main" id="{B7095C8D-BE22-43C8-8ABD-3550898F9AFF}"/>
+              </a:ext>
+            </a:extLst>
+          </p:cNvPr>
+          <p:cNvSpPr/>
+          <p:nvPr/>
+        </p:nvSpPr>
+        <p:spPr>
+          <a:xfrm>
+            <a:off x="8313420" y="830580"/>
+            <a:ext cx="1664970" cy="571500"/>
+          </a:xfrm>
+          <a:prstGeom prst="rect">
+            <a:avLst/>
+          </a:prstGeom>
+          <a:noFill/>
+          <a:ln>
+            <a:solidFill>
+              <a:schemeClr val="tx1"/>
+            </a:solidFill>
+          </a:ln>
+        </p:spPr>
+        <p:style>
+          <a:lnRef idx="2">
+            <a:schemeClr val="accent1">
+              <a:shade val="50000"/>
+            </a:schemeClr>
+          </a:lnRef>
+          <a:fillRef idx="1">
+            <a:schemeClr val="accent1"/>
+          </a:fillRef>
+          <a:effectRef idx="0">
+            <a:schemeClr val="accent1"/>
+          </a:effectRef>
+          <a:fontRef idx="minor">
+            <a:schemeClr val="lt1"/>
+          </a:fontRef>
+        </p:style>
+        <p:txBody>
+          <a:bodyPr rtlCol="0" anchor="ctr"/>
+          <a:lstStyle/>
+          <a:p>
+            <a:pPr algn="ctr"/>
+            <a:r>
+              <a:rPr lang="ko-KR" altLang="en-US" dirty="0">
+                <a:solidFill>
+                  <a:schemeClr val="tx1"/>
+                </a:solidFill>
+              </a:rPr>
+              <a:t>서버에 파일 생성</a:t>
+            </a:r>
+          </a:p>
+        </p:txBody>
+      </p:sp>
+      <p:cxnSp>
+        <p:nvCxnSpPr>
+          <p:cNvPr id="23" name="직선 화살표 연결선 22">
+            <a:extLst>
+              <a:ext uri="{FF2B5EF4-FFF2-40B4-BE49-F238E27FC236}">
+                <a16:creationId xmlns:a16="http://schemas.microsoft.com/office/drawing/2014/main" id="{123E198C-D8DE-4CD5-8A4A-42ACE74DD483}"/>
+              </a:ext>
+            </a:extLst>
+          </p:cNvPr>
+          <p:cNvCxnSpPr>
+            <a:cxnSpLocks/>
+            <a:stCxn id="16" idx="3"/>
+            <a:endCxn id="22" idx="1"/>
+          </p:cNvCxnSpPr>
+          <p:nvPr/>
+        </p:nvCxnSpPr>
+        <p:spPr>
+          <a:xfrm>
+            <a:off x="5985510" y="1116330"/>
+            <a:ext cx="2327910" cy="0"/>
+          </a:xfrm>
+          <a:prstGeom prst="straightConnector1">
+            <a:avLst/>
+          </a:prstGeom>
+          <a:ln>
+            <a:solidFill>
+              <a:srgbClr val="FF0000"/>
+            </a:solidFill>
+            <a:tailEnd type="triangle"/>
+          </a:ln>
+        </p:spPr>
+        <p:style>
+          <a:lnRef idx="1">
+            <a:schemeClr val="accent1"/>
+          </a:lnRef>
+          <a:fillRef idx="0">
+            <a:schemeClr val="accent1"/>
+          </a:fillRef>
+          <a:effectRef idx="0">
+            <a:schemeClr val="accent1"/>
+          </a:effectRef>
+          <a:fontRef idx="minor">
+            <a:schemeClr val="tx1"/>
+          </a:fontRef>
+        </p:style>
+      </p:cxnSp>
+      <p:sp>
+        <p:nvSpPr>
+          <p:cNvPr id="29" name="순서도: 판단 28">
+            <a:extLst>
+              <a:ext uri="{FF2B5EF4-FFF2-40B4-BE49-F238E27FC236}">
+                <a16:creationId xmlns:a16="http://schemas.microsoft.com/office/drawing/2014/main" id="{04C5A0A0-679C-4A4F-AE4B-4330A3CAE728}"/>
+              </a:ext>
+            </a:extLst>
+          </p:cNvPr>
+          <p:cNvSpPr/>
+          <p:nvPr/>
+        </p:nvSpPr>
+        <p:spPr>
+          <a:xfrm>
+            <a:off x="7837170" y="2548890"/>
+            <a:ext cx="2617470" cy="1333500"/>
+          </a:xfrm>
+          <a:prstGeom prst="flowChartDecision">
+            <a:avLst/>
+          </a:prstGeom>
+        </p:spPr>
+        <p:style>
+          <a:lnRef idx="2">
+            <a:schemeClr val="accent1">
+              <a:shade val="50000"/>
+            </a:schemeClr>
+          </a:lnRef>
+          <a:fillRef idx="1">
+            <a:schemeClr val="accent1"/>
+          </a:fillRef>
+          <a:effectRef idx="0">
+            <a:schemeClr val="accent1"/>
+          </a:effectRef>
+          <a:fontRef idx="minor">
+            <a:schemeClr val="lt1"/>
+          </a:fontRef>
+        </p:style>
+        <p:txBody>
+          <a:bodyPr rtlCol="0" anchor="ctr"/>
+          <a:lstStyle/>
+          <a:p>
+            <a:pPr algn="ctr"/>
+            <a:r>
+              <a:rPr lang="ko-KR" altLang="en-US" sz="1700" dirty="0" err="1">
+                <a:solidFill>
+                  <a:schemeClr val="bg1"/>
+                </a:solidFill>
+              </a:rPr>
+              <a:t>파일업로드</a:t>
+            </a:r>
+            <a:endParaRPr lang="en-US" altLang="ko-KR" sz="1700" dirty="0">
+              <a:solidFill>
+                <a:schemeClr val="bg1"/>
+              </a:solidFill>
+            </a:endParaRPr>
+          </a:p>
+          <a:p>
+            <a:pPr algn="ctr"/>
+            <a:r>
+              <a:rPr lang="ko-KR" altLang="en-US" sz="1700" dirty="0">
+                <a:solidFill>
+                  <a:schemeClr val="bg1"/>
+                </a:solidFill>
+              </a:rPr>
+              <a:t>성공</a:t>
+            </a:r>
+          </a:p>
+        </p:txBody>
+      </p:sp>
+      <p:cxnSp>
+        <p:nvCxnSpPr>
+          <p:cNvPr id="31" name="직선 화살표 연결선 30">
+            <a:extLst>
+              <a:ext uri="{FF2B5EF4-FFF2-40B4-BE49-F238E27FC236}">
+                <a16:creationId xmlns:a16="http://schemas.microsoft.com/office/drawing/2014/main" id="{620BF5EC-EA7D-4E1A-93A1-129913ED6400}"/>
+              </a:ext>
+            </a:extLst>
+          </p:cNvPr>
+          <p:cNvCxnSpPr>
+            <a:cxnSpLocks/>
+            <a:stCxn id="22" idx="2"/>
+            <a:endCxn id="29" idx="0"/>
+          </p:cNvCxnSpPr>
+          <p:nvPr/>
+        </p:nvCxnSpPr>
+        <p:spPr>
+          <a:xfrm>
+            <a:off x="9145905" y="1402080"/>
+            <a:ext cx="0" cy="1146810"/>
+          </a:xfrm>
+          <a:prstGeom prst="straightConnector1">
+            <a:avLst/>
+          </a:prstGeom>
+          <a:ln>
+            <a:solidFill>
+              <a:srgbClr val="FF0000"/>
+            </a:solidFill>
+            <a:tailEnd type="triangle"/>
+          </a:ln>
+        </p:spPr>
+        <p:style>
+          <a:lnRef idx="1">
+            <a:schemeClr val="accent1"/>
+          </a:lnRef>
+          <a:fillRef idx="0">
+            <a:schemeClr val="accent1"/>
+          </a:fillRef>
+          <a:effectRef idx="0">
+            <a:schemeClr val="accent1"/>
+          </a:effectRef>
+          <a:fontRef idx="minor">
+            <a:schemeClr val="tx1"/>
+          </a:fontRef>
+        </p:style>
+      </p:cxnSp>
+      <p:sp>
+        <p:nvSpPr>
+          <p:cNvPr id="37" name="직사각형 36">
+            <a:extLst>
+              <a:ext uri="{FF2B5EF4-FFF2-40B4-BE49-F238E27FC236}">
+                <a16:creationId xmlns:a16="http://schemas.microsoft.com/office/drawing/2014/main" id="{46F53C13-A868-4CF4-98C0-648A40A0A2F8}"/>
+              </a:ext>
+            </a:extLst>
+          </p:cNvPr>
+          <p:cNvSpPr/>
+          <p:nvPr/>
+        </p:nvSpPr>
+        <p:spPr>
+          <a:xfrm>
+            <a:off x="4320540" y="2929890"/>
+            <a:ext cx="1775460" cy="571500"/>
+          </a:xfrm>
+          <a:prstGeom prst="rect">
+            <a:avLst/>
+          </a:prstGeom>
+          <a:noFill/>
+          <a:ln>
+            <a:solidFill>
+              <a:schemeClr val="tx1"/>
+            </a:solidFill>
+          </a:ln>
+        </p:spPr>
+        <p:style>
+          <a:lnRef idx="2">
+            <a:schemeClr val="accent1">
+              <a:shade val="50000"/>
+            </a:schemeClr>
+          </a:lnRef>
+          <a:fillRef idx="1">
+            <a:schemeClr val="accent1"/>
+          </a:fillRef>
+          <a:effectRef idx="0">
+            <a:schemeClr val="accent1"/>
+          </a:effectRef>
+          <a:fontRef idx="minor">
+            <a:schemeClr val="lt1"/>
+          </a:fontRef>
+        </p:style>
+        <p:txBody>
+          <a:bodyPr rtlCol="0" anchor="ctr"/>
+          <a:lstStyle/>
+          <a:p>
+            <a:pPr algn="ctr"/>
+            <a:r>
+              <a:rPr lang="ko-KR" altLang="en-US" dirty="0">
+                <a:solidFill>
+                  <a:schemeClr val="tx1"/>
+                </a:solidFill>
+              </a:rPr>
+              <a:t>데이터 </a:t>
+            </a:r>
+            <a:r>
+              <a:rPr lang="en-US" altLang="ko-KR" dirty="0">
+                <a:solidFill>
+                  <a:schemeClr val="tx1"/>
+                </a:solidFill>
+              </a:rPr>
+              <a:t>Vali</a:t>
+            </a:r>
+            <a:r>
+              <a:rPr lang="ko-KR" altLang="en-US" dirty="0">
+                <a:solidFill>
+                  <a:schemeClr val="tx1"/>
+                </a:solidFill>
+              </a:rPr>
+              <a:t>체크</a:t>
+            </a:r>
+          </a:p>
+        </p:txBody>
+      </p:sp>
+      <p:cxnSp>
+        <p:nvCxnSpPr>
+          <p:cNvPr id="38" name="직선 화살표 연결선 37">
+            <a:extLst>
+              <a:ext uri="{FF2B5EF4-FFF2-40B4-BE49-F238E27FC236}">
+                <a16:creationId xmlns:a16="http://schemas.microsoft.com/office/drawing/2014/main" id="{AF0E2488-1604-42EA-8858-38465FAE08C7}"/>
+              </a:ext>
+            </a:extLst>
+          </p:cNvPr>
+          <p:cNvCxnSpPr>
+            <a:cxnSpLocks/>
+            <a:stCxn id="29" idx="1"/>
+            <a:endCxn id="37" idx="3"/>
+          </p:cNvCxnSpPr>
+          <p:nvPr/>
+        </p:nvCxnSpPr>
+        <p:spPr>
+          <a:xfrm flipH="1">
+            <a:off x="6096000" y="3215640"/>
+            <a:ext cx="1741170" cy="0"/>
+          </a:xfrm>
+          <a:prstGeom prst="straightConnector1">
+            <a:avLst/>
+          </a:prstGeom>
+          <a:ln>
+            <a:solidFill>
+              <a:srgbClr val="FF0000"/>
+            </a:solidFill>
+            <a:tailEnd type="triangle"/>
+          </a:ln>
+        </p:spPr>
+        <p:style>
+          <a:lnRef idx="1">
+            <a:schemeClr val="accent1"/>
+          </a:lnRef>
+          <a:fillRef idx="0">
+            <a:schemeClr val="accent1"/>
+          </a:fillRef>
+          <a:effectRef idx="0">
+            <a:schemeClr val="accent1"/>
+          </a:effectRef>
+          <a:fontRef idx="minor">
+            <a:schemeClr val="tx1"/>
+          </a:fontRef>
+        </p:style>
+      </p:cxnSp>
+      <p:sp>
+        <p:nvSpPr>
+          <p:cNvPr id="42" name="직사각형 41">
+            <a:extLst>
+              <a:ext uri="{FF2B5EF4-FFF2-40B4-BE49-F238E27FC236}">
+                <a16:creationId xmlns:a16="http://schemas.microsoft.com/office/drawing/2014/main" id="{396D257C-3B79-42A1-8B95-0AF779B9579D}"/>
+              </a:ext>
+            </a:extLst>
+          </p:cNvPr>
+          <p:cNvSpPr/>
+          <p:nvPr/>
+        </p:nvSpPr>
+        <p:spPr>
+          <a:xfrm>
+            <a:off x="1097280" y="2929890"/>
+            <a:ext cx="1775460" cy="571500"/>
+          </a:xfrm>
+          <a:prstGeom prst="rect">
+            <a:avLst/>
+          </a:prstGeom>
+          <a:noFill/>
+          <a:ln>
+            <a:solidFill>
+              <a:schemeClr val="tx1"/>
+            </a:solidFill>
+          </a:ln>
+        </p:spPr>
+        <p:style>
+          <a:lnRef idx="2">
+            <a:schemeClr val="accent1">
+              <a:shade val="50000"/>
+            </a:schemeClr>
+          </a:lnRef>
+          <a:fillRef idx="1">
+            <a:schemeClr val="accent1"/>
+          </a:fillRef>
+          <a:effectRef idx="0">
+            <a:schemeClr val="accent1"/>
+          </a:effectRef>
+          <a:fontRef idx="minor">
+            <a:schemeClr val="lt1"/>
+          </a:fontRef>
+        </p:style>
+        <p:txBody>
+          <a:bodyPr rtlCol="0" anchor="ctr"/>
+          <a:lstStyle/>
+          <a:p>
+            <a:pPr algn="ctr"/>
+            <a:r>
+              <a:rPr lang="ko-KR" altLang="en-US" dirty="0">
+                <a:solidFill>
+                  <a:schemeClr val="tx1"/>
+                </a:solidFill>
+              </a:rPr>
+              <a:t>임시테이블에 데이터 저장</a:t>
+            </a:r>
+          </a:p>
+        </p:txBody>
+      </p:sp>
+      <p:sp>
+        <p:nvSpPr>
+          <p:cNvPr id="43" name="TextBox 42">
+            <a:extLst>
+              <a:ext uri="{FF2B5EF4-FFF2-40B4-BE49-F238E27FC236}">
+                <a16:creationId xmlns:a16="http://schemas.microsoft.com/office/drawing/2014/main" id="{1DDA0B5E-1E25-4C57-A93C-2FA6D7FBB8CE}"/>
+              </a:ext>
+            </a:extLst>
+          </p:cNvPr>
+          <p:cNvSpPr txBox="1"/>
+          <p:nvPr/>
+        </p:nvSpPr>
+        <p:spPr>
+          <a:xfrm>
+            <a:off x="7353300" y="2929890"/>
+            <a:ext cx="646331" cy="369332"/>
+          </a:xfrm>
+          <a:prstGeom prst="rect">
+            <a:avLst/>
+          </a:prstGeom>
+          <a:noFill/>
+        </p:spPr>
+        <p:txBody>
+          <a:bodyPr wrap="none" rtlCol="0">
+            <a:spAutoFit/>
+          </a:bodyPr>
+          <a:lstStyle/>
+          <a:p>
+            <a:r>
+              <a:rPr lang="ko-KR" altLang="en-US"/>
+              <a:t>성공</a:t>
+            </a:r>
+          </a:p>
+        </p:txBody>
+      </p:sp>
+      <p:cxnSp>
+        <p:nvCxnSpPr>
+          <p:cNvPr id="45" name="연결선: 꺾임 44">
+            <a:extLst>
+              <a:ext uri="{FF2B5EF4-FFF2-40B4-BE49-F238E27FC236}">
+                <a16:creationId xmlns:a16="http://schemas.microsoft.com/office/drawing/2014/main" id="{4FCAECD7-4DC9-428A-9D68-C25024FDB913}"/>
+              </a:ext>
+            </a:extLst>
+          </p:cNvPr>
+          <p:cNvCxnSpPr>
+            <a:cxnSpLocks/>
+            <a:endCxn id="16" idx="0"/>
+          </p:cNvCxnSpPr>
+          <p:nvPr/>
+        </p:nvCxnSpPr>
+        <p:spPr>
+          <a:xfrm rot="10800000">
+            <a:off x="5153026" y="830580"/>
+            <a:ext cx="5339717" cy="2385060"/>
+          </a:xfrm>
+          <a:prstGeom prst="bentConnector4">
+            <a:avLst>
+              <a:gd name="adj1" fmla="val -14020"/>
+              <a:gd name="adj2" fmla="val 109585"/>
+            </a:avLst>
+          </a:prstGeom>
+          <a:ln>
+            <a:tailEnd type="triangle"/>
+          </a:ln>
+        </p:spPr>
+        <p:style>
+          <a:lnRef idx="1">
+            <a:schemeClr val="accent1"/>
+          </a:lnRef>
+          <a:fillRef idx="0">
+            <a:schemeClr val="accent1"/>
+          </a:fillRef>
+          <a:effectRef idx="0">
+            <a:schemeClr val="accent1"/>
+          </a:effectRef>
+          <a:fontRef idx="minor">
+            <a:schemeClr val="tx1"/>
+          </a:fontRef>
+        </p:style>
+      </p:cxnSp>
+      <p:sp>
+        <p:nvSpPr>
+          <p:cNvPr id="48" name="TextBox 47">
+            <a:extLst>
+              <a:ext uri="{FF2B5EF4-FFF2-40B4-BE49-F238E27FC236}">
+                <a16:creationId xmlns:a16="http://schemas.microsoft.com/office/drawing/2014/main" id="{F157D4E6-0ED9-4196-A10A-081A74DA1272}"/>
+              </a:ext>
+            </a:extLst>
+          </p:cNvPr>
+          <p:cNvSpPr txBox="1"/>
+          <p:nvPr/>
+        </p:nvSpPr>
+        <p:spPr>
+          <a:xfrm>
+            <a:off x="10382398" y="2929890"/>
+            <a:ext cx="646331" cy="369332"/>
+          </a:xfrm>
+          <a:prstGeom prst="rect">
+            <a:avLst/>
+          </a:prstGeom>
+          <a:noFill/>
+        </p:spPr>
+        <p:txBody>
+          <a:bodyPr wrap="none" rtlCol="0">
+            <a:spAutoFit/>
+          </a:bodyPr>
+          <a:lstStyle/>
+          <a:p>
+            <a:r>
+              <a:rPr lang="ko-KR" altLang="en-US" dirty="0"/>
+              <a:t>실패</a:t>
+            </a:r>
+          </a:p>
+        </p:txBody>
+      </p:sp>
+      <p:cxnSp>
+        <p:nvCxnSpPr>
+          <p:cNvPr id="51" name="직선 화살표 연결선 50">
+            <a:extLst>
+              <a:ext uri="{FF2B5EF4-FFF2-40B4-BE49-F238E27FC236}">
+                <a16:creationId xmlns:a16="http://schemas.microsoft.com/office/drawing/2014/main" id="{1D10AFA5-2B7F-4CBD-9973-4B9391112EDB}"/>
+              </a:ext>
+            </a:extLst>
+          </p:cNvPr>
+          <p:cNvCxnSpPr>
+            <a:cxnSpLocks/>
+            <a:stCxn id="37" idx="1"/>
+            <a:endCxn id="42" idx="3"/>
+          </p:cNvCxnSpPr>
+          <p:nvPr/>
+        </p:nvCxnSpPr>
+        <p:spPr>
+          <a:xfrm flipH="1">
+            <a:off x="2872740" y="3215640"/>
+            <a:ext cx="1447800" cy="0"/>
+          </a:xfrm>
+          <a:prstGeom prst="straightConnector1">
+            <a:avLst/>
+          </a:prstGeom>
+          <a:ln>
+            <a:solidFill>
+              <a:srgbClr val="FF0000"/>
+            </a:solidFill>
+            <a:tailEnd type="triangle"/>
+          </a:ln>
+        </p:spPr>
+        <p:style>
+          <a:lnRef idx="1">
+            <a:schemeClr val="accent1"/>
+          </a:lnRef>
+          <a:fillRef idx="0">
+            <a:schemeClr val="accent1"/>
+          </a:fillRef>
+          <a:effectRef idx="0">
+            <a:schemeClr val="accent1"/>
+          </a:effectRef>
+          <a:fontRef idx="minor">
+            <a:schemeClr val="tx1"/>
+          </a:fontRef>
+        </p:style>
+      </p:cxnSp>
+      <p:sp>
+        <p:nvSpPr>
+          <p:cNvPr id="55" name="직사각형 54">
+            <a:extLst>
+              <a:ext uri="{FF2B5EF4-FFF2-40B4-BE49-F238E27FC236}">
+                <a16:creationId xmlns:a16="http://schemas.microsoft.com/office/drawing/2014/main" id="{14CC77D7-65B8-4417-801D-03A3CF01A898}"/>
+              </a:ext>
+            </a:extLst>
+          </p:cNvPr>
+          <p:cNvSpPr/>
+          <p:nvPr/>
+        </p:nvSpPr>
+        <p:spPr>
+          <a:xfrm>
+            <a:off x="1009356" y="4596669"/>
+            <a:ext cx="1958340" cy="995225"/>
+          </a:xfrm>
+          <a:prstGeom prst="rect">
+            <a:avLst/>
+          </a:prstGeom>
+          <a:noFill/>
+          <a:ln>
+            <a:solidFill>
+              <a:schemeClr val="tx1"/>
+            </a:solidFill>
+          </a:ln>
+        </p:spPr>
+        <p:style>
+          <a:lnRef idx="2">
+            <a:schemeClr val="accent1">
+              <a:shade val="50000"/>
+            </a:schemeClr>
+          </a:lnRef>
+          <a:fillRef idx="1">
+            <a:schemeClr val="accent1"/>
+          </a:fillRef>
+          <a:effectRef idx="0">
+            <a:schemeClr val="accent1"/>
+          </a:effectRef>
+          <a:fontRef idx="minor">
+            <a:schemeClr val="lt1"/>
+          </a:fontRef>
+        </p:style>
+        <p:txBody>
+          <a:bodyPr rtlCol="0" anchor="ctr"/>
+          <a:lstStyle/>
+          <a:p>
+            <a:pPr algn="ctr"/>
+            <a:r>
+              <a:rPr lang="en-US" altLang="ko-KR" dirty="0">
+                <a:solidFill>
+                  <a:schemeClr val="tx1"/>
+                </a:solidFill>
+              </a:rPr>
+              <a:t>INSERT INTO SELECT</a:t>
+            </a:r>
+            <a:r>
+              <a:rPr lang="ko-KR" altLang="en-US" dirty="0">
+                <a:solidFill>
+                  <a:schemeClr val="tx1"/>
+                </a:solidFill>
+              </a:rPr>
+              <a:t>로 테이블에 일괄 저장</a:t>
+            </a:r>
+          </a:p>
+        </p:txBody>
+      </p:sp>
+      <p:cxnSp>
+        <p:nvCxnSpPr>
+          <p:cNvPr id="57" name="직선 화살표 연결선 56">
+            <a:extLst>
+              <a:ext uri="{FF2B5EF4-FFF2-40B4-BE49-F238E27FC236}">
+                <a16:creationId xmlns:a16="http://schemas.microsoft.com/office/drawing/2014/main" id="{A87639A2-E644-46CB-A674-E8AEA3518DBF}"/>
+              </a:ext>
+            </a:extLst>
+          </p:cNvPr>
+          <p:cNvCxnSpPr>
+            <a:cxnSpLocks/>
+            <a:stCxn id="42" idx="2"/>
+            <a:endCxn id="55" idx="0"/>
+          </p:cNvCxnSpPr>
+          <p:nvPr/>
+        </p:nvCxnSpPr>
+        <p:spPr>
+          <a:xfrm>
+            <a:off x="1985010" y="3501390"/>
+            <a:ext cx="3516" cy="1095279"/>
+          </a:xfrm>
+          <a:prstGeom prst="straightConnector1">
+            <a:avLst/>
+          </a:prstGeom>
+          <a:ln>
+            <a:solidFill>
+              <a:srgbClr val="FF0000"/>
+            </a:solidFill>
+            <a:tailEnd type="triangle"/>
+          </a:ln>
+        </p:spPr>
+        <p:style>
+          <a:lnRef idx="1">
+            <a:schemeClr val="accent1"/>
+          </a:lnRef>
+          <a:fillRef idx="0">
+            <a:schemeClr val="accent1"/>
+          </a:fillRef>
+          <a:effectRef idx="0">
+            <a:schemeClr val="accent1"/>
+          </a:effectRef>
+          <a:fontRef idx="minor">
+            <a:schemeClr val="tx1"/>
+          </a:fontRef>
+        </p:style>
+      </p:cxnSp>
+      <p:cxnSp>
+        <p:nvCxnSpPr>
+          <p:cNvPr id="68" name="직선 화살표 연결선 67">
+            <a:extLst>
+              <a:ext uri="{FF2B5EF4-FFF2-40B4-BE49-F238E27FC236}">
+                <a16:creationId xmlns:a16="http://schemas.microsoft.com/office/drawing/2014/main" id="{579BEDC9-592E-4FAB-872F-B0D5BCFB0A6E}"/>
+              </a:ext>
+            </a:extLst>
+          </p:cNvPr>
+          <p:cNvCxnSpPr>
+            <a:cxnSpLocks/>
+            <a:stCxn id="55" idx="3"/>
+            <a:endCxn id="74" idx="2"/>
+          </p:cNvCxnSpPr>
+          <p:nvPr/>
+        </p:nvCxnSpPr>
+        <p:spPr>
+          <a:xfrm flipV="1">
+            <a:off x="2967696" y="5082199"/>
+            <a:ext cx="5199039" cy="12083"/>
+          </a:xfrm>
+          <a:prstGeom prst="straightConnector1">
+            <a:avLst/>
+          </a:prstGeom>
+          <a:ln>
+            <a:solidFill>
+              <a:srgbClr val="FF0000"/>
+            </a:solidFill>
+            <a:tailEnd type="triangle"/>
+          </a:ln>
+        </p:spPr>
+        <p:style>
+          <a:lnRef idx="1">
+            <a:schemeClr val="accent1"/>
+          </a:lnRef>
+          <a:fillRef idx="0">
+            <a:schemeClr val="accent1"/>
+          </a:fillRef>
+          <a:effectRef idx="0">
+            <a:schemeClr val="accent1"/>
+          </a:effectRef>
+          <a:fontRef idx="minor">
+            <a:schemeClr val="tx1"/>
+          </a:fontRef>
+        </p:style>
+      </p:cxnSp>
+      <p:sp>
+        <p:nvSpPr>
+          <p:cNvPr id="71" name="TextBox 70">
+            <a:extLst>
+              <a:ext uri="{FF2B5EF4-FFF2-40B4-BE49-F238E27FC236}">
+                <a16:creationId xmlns:a16="http://schemas.microsoft.com/office/drawing/2014/main" id="{231E8957-1297-4387-BF8F-1AB2BB640788}"/>
+              </a:ext>
+            </a:extLst>
+          </p:cNvPr>
+          <p:cNvSpPr txBox="1"/>
+          <p:nvPr/>
+        </p:nvSpPr>
+        <p:spPr>
+          <a:xfrm>
+            <a:off x="128938" y="163650"/>
+            <a:ext cx="2113079" cy="369332"/>
+          </a:xfrm>
+          <a:prstGeom prst="rect">
+            <a:avLst/>
+          </a:prstGeom>
+          <a:noFill/>
+        </p:spPr>
+        <p:txBody>
+          <a:bodyPr wrap="none" rtlCol="0">
+            <a:spAutoFit/>
+          </a:bodyPr>
+          <a:lstStyle/>
+          <a:p>
+            <a:r>
+              <a:rPr lang="ko-KR" altLang="en-US" dirty="0" err="1"/>
+              <a:t>엑셀업로드</a:t>
+            </a:r>
+            <a:r>
+              <a:rPr lang="en-US" altLang="ko-KR" dirty="0"/>
+              <a:t> </a:t>
+            </a:r>
+            <a:r>
+              <a:rPr lang="ko-KR" altLang="en-US" dirty="0"/>
+              <a:t>흐름도</a:t>
+            </a:r>
+          </a:p>
+        </p:txBody>
+      </p:sp>
+      <p:sp>
+        <p:nvSpPr>
+          <p:cNvPr id="74" name="타원 73">
+            <a:extLst>
+              <a:ext uri="{FF2B5EF4-FFF2-40B4-BE49-F238E27FC236}">
+                <a16:creationId xmlns:a16="http://schemas.microsoft.com/office/drawing/2014/main" id="{882CD6B8-8481-4CBE-BAE5-E26FA1CF7AB4}"/>
+              </a:ext>
+            </a:extLst>
+          </p:cNvPr>
+          <p:cNvSpPr/>
+          <p:nvPr/>
+        </p:nvSpPr>
+        <p:spPr>
+          <a:xfrm>
+            <a:off x="8166735" y="4732155"/>
+            <a:ext cx="2040255" cy="700088"/>
+          </a:xfrm>
+          <a:prstGeom prst="ellipse">
+            <a:avLst/>
+          </a:prstGeom>
+          <a:noFill/>
+          <a:ln>
+            <a:solidFill>
+              <a:schemeClr val="tx1"/>
+            </a:solidFill>
+          </a:ln>
+        </p:spPr>
+        <p:style>
+          <a:lnRef idx="2">
+            <a:schemeClr val="accent1">
+              <a:shade val="50000"/>
+            </a:schemeClr>
+          </a:lnRef>
+          <a:fillRef idx="1">
+            <a:schemeClr val="accent1"/>
+          </a:fillRef>
+          <a:effectRef idx="0">
+            <a:schemeClr val="accent1"/>
+          </a:effectRef>
+          <a:fontRef idx="minor">
+            <a:schemeClr val="lt1"/>
+          </a:fontRef>
+        </p:style>
+        <p:txBody>
+          <a:bodyPr rtlCol="0" anchor="ctr"/>
+          <a:lstStyle/>
+          <a:p>
+            <a:pPr algn="ctr"/>
+            <a:r>
+              <a:rPr lang="ko-KR" altLang="en-US" dirty="0">
+                <a:solidFill>
+                  <a:schemeClr val="tx1"/>
+                </a:solidFill>
+              </a:rPr>
+              <a:t>완료여부 메시지 표출</a:t>
+            </a:r>
+          </a:p>
+        </p:txBody>
+      </p:sp>
+    </p:spTree>
+    <p:extLst>
+      <p:ext uri="{BB962C8B-B14F-4D97-AF65-F5344CB8AC3E}">
+        <p14:creationId xmlns:p14="http://schemas.microsoft.com/office/powerpoint/2010/main" val="3306320127"/>
+      </p:ext>
+    </p:extLst>
+  </p:cSld>
+  <p:clrMapOvr>
+    <a:masterClrMapping/>
+  </p:clrMapOvr>
+</p:sld>
+</file>
+
+<file path=ppt/slides/slide6.xml><?xml version="1.0" encoding="utf-8"?>
+<p:sld xmlns:a="http://schemas.openxmlformats.org/drawingml/2006/main" xmlns:r="http://schemas.openxmlformats.org/officeDocument/2006/relationships" xmlns:p="http://schemas.openxmlformats.org/presentationml/2006/main">
+  <p:cSld>
+    <p:spTree>
+      <p:nvGrpSpPr>
+        <p:cNvPr id="1" name=""/>
+        <p:cNvGrpSpPr/>
+        <p:nvPr/>
+      </p:nvGrpSpPr>
+      <p:grpSpPr>
+        <a:xfrm>
+          <a:off x="0" y="0"/>
+          <a:ext cx="0" cy="0"/>
+          <a:chOff x="0" y="0"/>
+          <a:chExt cx="0" cy="0"/>
+        </a:xfrm>
+      </p:grpSpPr>
       <p:sp>
         <p:nvSpPr>
           <p:cNvPr id="5" name="직사각형 4">
@@ -5678,7 +7476,7 @@
 </p:sld>
 </file>
 
-<file path=ppt/slides/slide6.xml><?xml version="1.0" encoding="utf-8"?>
+<file path=ppt/slides/slide7.xml><?xml version="1.0" encoding="utf-8"?>
 <p:sld xmlns:a="http://schemas.openxmlformats.org/drawingml/2006/main" xmlns:r="http://schemas.openxmlformats.org/officeDocument/2006/relationships" xmlns:p="http://schemas.openxmlformats.org/presentationml/2006/main">
   <p:cSld>
     <p:spTree>
@@ -7965,7 +9763,7 @@
 </p:sld>
 </file>
 
-<file path=ppt/slides/slide7.xml><?xml version="1.0" encoding="utf-8"?>
+<file path=ppt/slides/slide8.xml><?xml version="1.0" encoding="utf-8"?>
 <p:sld xmlns:a="http://schemas.openxmlformats.org/drawingml/2006/main" xmlns:r="http://schemas.openxmlformats.org/officeDocument/2006/relationships" xmlns:p="http://schemas.openxmlformats.org/presentationml/2006/main">
   <p:cSld>
     <p:spTree>
@@ -8238,283 +10036,10 @@
           </a:p>
         </p:txBody>
       </p:sp>
-      <p:pic>
-        <p:nvPicPr>
-          <p:cNvPr id="7" name="그림 6">
-            <a:extLst>
-              <a:ext uri="{FF2B5EF4-FFF2-40B4-BE49-F238E27FC236}">
-                <a16:creationId xmlns:a16="http://schemas.microsoft.com/office/drawing/2014/main" id="{00A00B99-6A41-467A-96C3-8286394EFB7E}"/>
-              </a:ext>
-            </a:extLst>
-          </p:cNvPr>
-          <p:cNvPicPr>
-            <a:picLocks noChangeAspect="1"/>
-          </p:cNvPicPr>
-          <p:nvPr/>
-        </p:nvPicPr>
-        <p:blipFill>
-          <a:blip r:embed="rId3"/>
-          <a:stretch>
-            <a:fillRect/>
-          </a:stretch>
-        </p:blipFill>
-        <p:spPr>
-          <a:xfrm>
-            <a:off x="6889372" y="884334"/>
-            <a:ext cx="3295650" cy="390525"/>
-          </a:xfrm>
-          <a:prstGeom prst="rect">
-            <a:avLst/>
-          </a:prstGeom>
-        </p:spPr>
-      </p:pic>
-      <p:sp>
-        <p:nvSpPr>
-          <p:cNvPr id="8" name="직사각형 7">
-            <a:extLst>
-              <a:ext uri="{FF2B5EF4-FFF2-40B4-BE49-F238E27FC236}">
-                <a16:creationId xmlns:a16="http://schemas.microsoft.com/office/drawing/2014/main" id="{8C1DB2A8-C652-488A-AA88-166DA395614D}"/>
-              </a:ext>
-            </a:extLst>
-          </p:cNvPr>
-          <p:cNvSpPr/>
-          <p:nvPr/>
-        </p:nvSpPr>
-        <p:spPr>
-          <a:xfrm>
-            <a:off x="6799179" y="341258"/>
-            <a:ext cx="4369338" cy="369332"/>
-          </a:xfrm>
-          <a:prstGeom prst="rect">
-            <a:avLst/>
-          </a:prstGeom>
-        </p:spPr>
-        <p:txBody>
-          <a:bodyPr wrap="none">
-            <a:spAutoFit/>
-          </a:bodyPr>
-          <a:lstStyle/>
-          <a:p>
-            <a:r>
-              <a:rPr lang="en-US" altLang="ko-KR" dirty="0"/>
-              <a:t>* </a:t>
-            </a:r>
-            <a:r>
-              <a:rPr lang="ko-KR" altLang="en-US" dirty="0" err="1"/>
-              <a:t>ReservationApplyServiceImpl</a:t>
-            </a:r>
-            <a:r>
-              <a:rPr lang="en-US" altLang="ko-KR" dirty="0"/>
-              <a:t>.java </a:t>
-            </a:r>
-            <a:r>
-              <a:rPr lang="ko-KR" altLang="en-US" dirty="0"/>
-              <a:t>추가</a:t>
-            </a:r>
-          </a:p>
-        </p:txBody>
-      </p:sp>
     </p:spTree>
     <p:extLst>
       <p:ext uri="{BB962C8B-B14F-4D97-AF65-F5344CB8AC3E}">
         <p14:creationId xmlns:p14="http://schemas.microsoft.com/office/powerpoint/2010/main" val="1339097702"/>
-      </p:ext>
-    </p:extLst>
-  </p:cSld>
-  <p:clrMapOvr>
-    <a:masterClrMapping/>
-  </p:clrMapOvr>
-</p:sld>
-</file>
-
-<file path=ppt/slides/slide8.xml><?xml version="1.0" encoding="utf-8"?>
-<p:sld xmlns:a="http://schemas.openxmlformats.org/drawingml/2006/main" xmlns:r="http://schemas.openxmlformats.org/officeDocument/2006/relationships" xmlns:p="http://schemas.openxmlformats.org/presentationml/2006/main">
-  <p:cSld>
-    <p:spTree>
-      <p:nvGrpSpPr>
-        <p:cNvPr id="1" name=""/>
-        <p:cNvGrpSpPr/>
-        <p:nvPr/>
-      </p:nvGrpSpPr>
-      <p:grpSpPr>
-        <a:xfrm>
-          <a:off x="0" y="0"/>
-          <a:ext cx="0" cy="0"/>
-          <a:chOff x="0" y="0"/>
-          <a:chExt cx="0" cy="0"/>
-        </a:xfrm>
-      </p:grpSpPr>
-      <p:pic>
-        <p:nvPicPr>
-          <p:cNvPr id="3" name="그림 2">
-            <a:extLst>
-              <a:ext uri="{FF2B5EF4-FFF2-40B4-BE49-F238E27FC236}">
-                <a16:creationId xmlns:a16="http://schemas.microsoft.com/office/drawing/2014/main" id="{DB4DAF7E-3178-4415-AA75-183B771ED1F8}"/>
-              </a:ext>
-            </a:extLst>
-          </p:cNvPr>
-          <p:cNvPicPr>
-            <a:picLocks noChangeAspect="1"/>
-          </p:cNvPicPr>
-          <p:nvPr/>
-        </p:nvPicPr>
-        <p:blipFill>
-          <a:blip r:embed="rId2"/>
-          <a:stretch>
-            <a:fillRect/>
-          </a:stretch>
-        </p:blipFill>
-        <p:spPr>
-          <a:xfrm>
-            <a:off x="498620" y="872763"/>
-            <a:ext cx="10182225" cy="447675"/>
-          </a:xfrm>
-          <a:prstGeom prst="rect">
-            <a:avLst/>
-          </a:prstGeom>
-        </p:spPr>
-      </p:pic>
-      <p:sp>
-        <p:nvSpPr>
-          <p:cNvPr id="4" name="직사각형 3">
-            <a:extLst>
-              <a:ext uri="{FF2B5EF4-FFF2-40B4-BE49-F238E27FC236}">
-                <a16:creationId xmlns:a16="http://schemas.microsoft.com/office/drawing/2014/main" id="{34AB316E-AC09-41E7-9F3E-328A4A0CFE5E}"/>
-              </a:ext>
-            </a:extLst>
-          </p:cNvPr>
-          <p:cNvSpPr/>
-          <p:nvPr/>
-        </p:nvSpPr>
-        <p:spPr>
-          <a:xfrm>
-            <a:off x="498620" y="283021"/>
-            <a:ext cx="2222788" cy="369332"/>
-          </a:xfrm>
-          <a:prstGeom prst="rect">
-            <a:avLst/>
-          </a:prstGeom>
-        </p:spPr>
-        <p:txBody>
-          <a:bodyPr wrap="none">
-            <a:spAutoFit/>
-          </a:bodyPr>
-          <a:lstStyle/>
-          <a:p>
-            <a:r>
-              <a:rPr lang="en-US" altLang="ko-KR" dirty="0"/>
-              <a:t>* </a:t>
-            </a:r>
-            <a:r>
-              <a:rPr lang="ko-KR" altLang="en-US" dirty="0" err="1"/>
-              <a:t>globals.properties</a:t>
-            </a:r>
-            <a:endParaRPr lang="ko-KR" altLang="en-US" dirty="0"/>
-          </a:p>
-        </p:txBody>
-      </p:sp>
-      <p:pic>
-        <p:nvPicPr>
-          <p:cNvPr id="5" name="그림 4">
-            <a:extLst>
-              <a:ext uri="{FF2B5EF4-FFF2-40B4-BE49-F238E27FC236}">
-                <a16:creationId xmlns:a16="http://schemas.microsoft.com/office/drawing/2014/main" id="{D2ACEBE7-8B0D-47DF-8414-821D099A3F20}"/>
-              </a:ext>
-            </a:extLst>
-          </p:cNvPr>
-          <p:cNvPicPr>
-            <a:picLocks noChangeAspect="1"/>
-          </p:cNvPicPr>
-          <p:nvPr/>
-        </p:nvPicPr>
-        <p:blipFill>
-          <a:blip r:embed="rId3"/>
-          <a:stretch>
-            <a:fillRect/>
-          </a:stretch>
-        </p:blipFill>
-        <p:spPr>
-          <a:xfrm>
-            <a:off x="657488" y="5766162"/>
-            <a:ext cx="3276600" cy="438150"/>
-          </a:xfrm>
-          <a:prstGeom prst="rect">
-            <a:avLst/>
-          </a:prstGeom>
-        </p:spPr>
-      </p:pic>
-      <p:sp>
-        <p:nvSpPr>
-          <p:cNvPr id="6" name="직사각형 5">
-            <a:extLst>
-              <a:ext uri="{FF2B5EF4-FFF2-40B4-BE49-F238E27FC236}">
-                <a16:creationId xmlns:a16="http://schemas.microsoft.com/office/drawing/2014/main" id="{6D6871AA-5FF4-4C1A-A006-EDCA4B6E0DC4}"/>
-              </a:ext>
-            </a:extLst>
-          </p:cNvPr>
-          <p:cNvSpPr/>
-          <p:nvPr/>
-        </p:nvSpPr>
-        <p:spPr>
-          <a:xfrm>
-            <a:off x="498620" y="2214784"/>
-            <a:ext cx="2696123" cy="369332"/>
-          </a:xfrm>
-          <a:prstGeom prst="rect">
-            <a:avLst/>
-          </a:prstGeom>
-        </p:spPr>
-        <p:txBody>
-          <a:bodyPr wrap="none">
-            <a:spAutoFit/>
-          </a:bodyPr>
-          <a:lstStyle/>
-          <a:p>
-            <a:r>
-              <a:rPr lang="en-US" altLang="ko-KR" dirty="0"/>
-              <a:t>* </a:t>
-            </a:r>
-            <a:r>
-              <a:rPr lang="ko-KR" altLang="en-US" dirty="0"/>
-              <a:t>context-properties.xml</a:t>
-            </a:r>
-          </a:p>
-        </p:txBody>
-      </p:sp>
-      <p:pic>
-        <p:nvPicPr>
-          <p:cNvPr id="8" name="그림 7">
-            <a:extLst>
-              <a:ext uri="{FF2B5EF4-FFF2-40B4-BE49-F238E27FC236}">
-                <a16:creationId xmlns:a16="http://schemas.microsoft.com/office/drawing/2014/main" id="{6376AB10-1569-45C3-AB6F-AA1DCD39D436}"/>
-              </a:ext>
-            </a:extLst>
-          </p:cNvPr>
-          <p:cNvPicPr>
-            <a:picLocks noChangeAspect="1"/>
-          </p:cNvPicPr>
-          <p:nvPr/>
-        </p:nvPicPr>
-        <p:blipFill>
-          <a:blip r:embed="rId4"/>
-          <a:stretch>
-            <a:fillRect/>
-          </a:stretch>
-        </p:blipFill>
-        <p:spPr>
-          <a:xfrm>
-            <a:off x="498620" y="2645328"/>
-            <a:ext cx="9582150" cy="2590800"/>
-          </a:xfrm>
-          <a:prstGeom prst="rect">
-            <a:avLst/>
-          </a:prstGeom>
-        </p:spPr>
-      </p:pic>
-    </p:spTree>
-    <p:extLst>
-      <p:ext uri="{BB962C8B-B14F-4D97-AF65-F5344CB8AC3E}">
-        <p14:creationId xmlns:p14="http://schemas.microsoft.com/office/powerpoint/2010/main" val="2365455335"/>
       </p:ext>
     </p:extLst>
   </p:cSld>
